--- a/doc/UI Mock up.pptx
+++ b/doc/UI Mock up.pptx
@@ -107,6 +107,11 @@
       </a:defRPr>
     </a:lvl9pPr>
   </p:defaultTextStyle>
+  <p:extLst>
+    <p:ext uri="{EFAFB233-063F-42B5-8137-9DF3F51BA10A}">
+      <p15:sldGuideLst xmlns:p15="http://schemas.microsoft.com/office/powerpoint/2012/main"/>
+    </p:ext>
+  </p:extLst>
 </p:presentation>
 </file>
 
@@ -257,7 +262,7 @@
           <a:p>
             <a:fld id="{AF46D519-0F86-451E-9CB9-B13DA19E2CD6}" type="datetimeFigureOut">
               <a:rPr lang="en-US" smtClean="0"/>
-              <a:t>9/10/2023</a:t>
+              <a:t>9/11/2023</a:t>
             </a:fld>
             <a:endParaRPr lang="en-US"/>
           </a:p>
@@ -455,7 +460,7 @@
           <a:p>
             <a:fld id="{AF46D519-0F86-451E-9CB9-B13DA19E2CD6}" type="datetimeFigureOut">
               <a:rPr lang="en-US" smtClean="0"/>
-              <a:t>9/10/2023</a:t>
+              <a:t>9/11/2023</a:t>
             </a:fld>
             <a:endParaRPr lang="en-US"/>
           </a:p>
@@ -663,7 +668,7 @@
           <a:p>
             <a:fld id="{AF46D519-0F86-451E-9CB9-B13DA19E2CD6}" type="datetimeFigureOut">
               <a:rPr lang="en-US" smtClean="0"/>
-              <a:t>9/10/2023</a:t>
+              <a:t>9/11/2023</a:t>
             </a:fld>
             <a:endParaRPr lang="en-US"/>
           </a:p>
@@ -861,7 +866,7 @@
           <a:p>
             <a:fld id="{AF46D519-0F86-451E-9CB9-B13DA19E2CD6}" type="datetimeFigureOut">
               <a:rPr lang="en-US" smtClean="0"/>
-              <a:t>9/10/2023</a:t>
+              <a:t>9/11/2023</a:t>
             </a:fld>
             <a:endParaRPr lang="en-US"/>
           </a:p>
@@ -1136,7 +1141,7 @@
           <a:p>
             <a:fld id="{AF46D519-0F86-451E-9CB9-B13DA19E2CD6}" type="datetimeFigureOut">
               <a:rPr lang="en-US" smtClean="0"/>
-              <a:t>9/10/2023</a:t>
+              <a:t>9/11/2023</a:t>
             </a:fld>
             <a:endParaRPr lang="en-US"/>
           </a:p>
@@ -1401,7 +1406,7 @@
           <a:p>
             <a:fld id="{AF46D519-0F86-451E-9CB9-B13DA19E2CD6}" type="datetimeFigureOut">
               <a:rPr lang="en-US" smtClean="0"/>
-              <a:t>9/10/2023</a:t>
+              <a:t>9/11/2023</a:t>
             </a:fld>
             <a:endParaRPr lang="en-US"/>
           </a:p>
@@ -1813,7 +1818,7 @@
           <a:p>
             <a:fld id="{AF46D519-0F86-451E-9CB9-B13DA19E2CD6}" type="datetimeFigureOut">
               <a:rPr lang="en-US" smtClean="0"/>
-              <a:t>9/10/2023</a:t>
+              <a:t>9/11/2023</a:t>
             </a:fld>
             <a:endParaRPr lang="en-US"/>
           </a:p>
@@ -1954,7 +1959,7 @@
           <a:p>
             <a:fld id="{AF46D519-0F86-451E-9CB9-B13DA19E2CD6}" type="datetimeFigureOut">
               <a:rPr lang="en-US" smtClean="0"/>
-              <a:t>9/10/2023</a:t>
+              <a:t>9/11/2023</a:t>
             </a:fld>
             <a:endParaRPr lang="en-US"/>
           </a:p>
@@ -2067,7 +2072,7 @@
           <a:p>
             <a:fld id="{AF46D519-0F86-451E-9CB9-B13DA19E2CD6}" type="datetimeFigureOut">
               <a:rPr lang="en-US" smtClean="0"/>
-              <a:t>9/10/2023</a:t>
+              <a:t>9/11/2023</a:t>
             </a:fld>
             <a:endParaRPr lang="en-US"/>
           </a:p>
@@ -2378,7 +2383,7 @@
           <a:p>
             <a:fld id="{AF46D519-0F86-451E-9CB9-B13DA19E2CD6}" type="datetimeFigureOut">
               <a:rPr lang="en-US" smtClean="0"/>
-              <a:t>9/10/2023</a:t>
+              <a:t>9/11/2023</a:t>
             </a:fld>
             <a:endParaRPr lang="en-US"/>
           </a:p>
@@ -2666,7 +2671,7 @@
           <a:p>
             <a:fld id="{AF46D519-0F86-451E-9CB9-B13DA19E2CD6}" type="datetimeFigureOut">
               <a:rPr lang="en-US" smtClean="0"/>
-              <a:t>9/10/2023</a:t>
+              <a:t>9/11/2023</a:t>
             </a:fld>
             <a:endParaRPr lang="en-US"/>
           </a:p>
@@ -2907,7 +2912,7 @@
           <a:p>
             <a:fld id="{AF46D519-0F86-451E-9CB9-B13DA19E2CD6}" type="datetimeFigureOut">
               <a:rPr lang="en-US" smtClean="0"/>
-              <a:t>9/10/2023</a:t>
+              <a:t>9/11/2023</a:t>
             </a:fld>
             <a:endParaRPr lang="en-US"/>
           </a:p>
@@ -3326,31 +3331,6 @@
       </p:grpSpPr>
       <p:sp>
         <p:nvSpPr>
-          <p:cNvPr id="3" name="Subtitle 2">
-            <a:extLst>
-              <a:ext uri="{FF2B5EF4-FFF2-40B4-BE49-F238E27FC236}">
-                <a16:creationId xmlns:a16="http://schemas.microsoft.com/office/drawing/2014/main" id="{BAC24B53-4139-9980-F41F-4839B0F8CDF8}"/>
-              </a:ext>
-            </a:extLst>
-          </p:cNvPr>
-          <p:cNvSpPr>
-            <a:spLocks noGrp="1"/>
-          </p:cNvSpPr>
-          <p:nvPr>
-            <p:ph type="subTitle" idx="1"/>
-          </p:nvPr>
-        </p:nvSpPr>
-        <p:spPr/>
-        <p:txBody>
-          <a:bodyPr/>
-          <a:lstStyle/>
-          <a:p>
-            <a:endParaRPr lang="en-US"/>
-          </a:p>
-        </p:txBody>
-      </p:sp>
-      <p:sp>
-        <p:nvSpPr>
           <p:cNvPr id="4" name="Rectangle 3">
             <a:extLst>
               <a:ext uri="{FF2B5EF4-FFF2-40B4-BE49-F238E27FC236}">
@@ -3427,7 +3407,7 @@
           <a:p>
             <a:r>
               <a:rPr lang="en-US" dirty="0"/>
-              <a:t>New Crime Data</a:t>
+              <a:t>Crime Data</a:t>
             </a:r>
           </a:p>
         </p:txBody>
@@ -3575,7 +3555,7 @@
           <a:p>
             <a:r>
               <a:rPr lang="en-US" dirty="0"/>
-              <a:t>New Crime Data</a:t>
+              <a:t>Crime Data</a:t>
             </a:r>
           </a:p>
         </p:txBody>
@@ -3668,7 +3648,7 @@
         </p:nvSpPr>
         <p:spPr>
           <a:xfrm>
-            <a:off x="3265004" y="2469874"/>
+            <a:off x="3267488" y="2469874"/>
             <a:ext cx="1147970" cy="369332"/>
           </a:xfrm>
           <a:prstGeom prst="rect">
@@ -3742,7 +3722,7 @@
         </p:nvSpPr>
         <p:spPr>
           <a:xfrm>
-            <a:off x="482049" y="2971800"/>
+            <a:off x="447261" y="2971800"/>
             <a:ext cx="6773517" cy="3139321"/>
           </a:xfrm>
           <a:prstGeom prst="rect">
@@ -3777,8 +3757,13 @@
             <a:pPr algn="ctr"/>
             <a:r>
               <a:rPr lang="en-US" dirty="0"/>
-              <a:t>The Table</a:t>
-            </a:r>
+              <a:t>The Table or </a:t>
+            </a:r>
+            <a:r>
+              <a:rPr lang="en-US" altLang="zh-CN" dirty="0"/>
+              <a:t>Map</a:t>
+            </a:r>
+            <a:endParaRPr lang="en-US" dirty="0"/>
           </a:p>
           <a:p>
             <a:pPr algn="ctr"/>
@@ -3803,6 +3788,55 @@
           <a:p>
             <a:pPr algn="ctr"/>
             <a:endParaRPr lang="en-US" dirty="0"/>
+          </a:p>
+        </p:txBody>
+      </p:sp>
+      <p:sp>
+        <p:nvSpPr>
+          <p:cNvPr id="2" name="Rectangle 1">
+            <a:extLst>
+              <a:ext uri="{FF2B5EF4-FFF2-40B4-BE49-F238E27FC236}">
+                <a16:creationId xmlns:a16="http://schemas.microsoft.com/office/drawing/2014/main" id="{1D34BD54-911F-3B3A-53B7-DD7B88CDF04F}"/>
+              </a:ext>
+            </a:extLst>
+          </p:cNvPr>
+          <p:cNvSpPr/>
+          <p:nvPr/>
+        </p:nvSpPr>
+        <p:spPr>
+          <a:xfrm>
+            <a:off x="7675033" y="1845733"/>
+            <a:ext cx="4069706" cy="4265388"/>
+          </a:xfrm>
+          <a:prstGeom prst="rect">
+            <a:avLst/>
+          </a:prstGeom>
+        </p:spPr>
+        <p:style>
+          <a:lnRef idx="2">
+            <a:schemeClr val="accent1">
+              <a:shade val="15000"/>
+            </a:schemeClr>
+          </a:lnRef>
+          <a:fillRef idx="1">
+            <a:schemeClr val="accent1"/>
+          </a:fillRef>
+          <a:effectRef idx="0">
+            <a:schemeClr val="accent1"/>
+          </a:effectRef>
+          <a:fontRef idx="minor">
+            <a:schemeClr val="lt1"/>
+          </a:fontRef>
+        </p:style>
+        <p:txBody>
+          <a:bodyPr rtlCol="0" anchor="ctr"/>
+          <a:lstStyle/>
+          <a:p>
+            <a:pPr algn="ctr"/>
+            <a:r>
+              <a:rPr lang="en-US" dirty="0"/>
+              <a:t>Detailed data on select from the table</a:t>
+            </a:r>
           </a:p>
         </p:txBody>
       </p:sp>
@@ -4044,7 +4078,7 @@
         </p:nvSpPr>
         <p:spPr>
           <a:xfrm>
-            <a:off x="491987" y="1667431"/>
+            <a:off x="491987" y="1663198"/>
             <a:ext cx="2484783" cy="369332"/>
           </a:xfrm>
           <a:prstGeom prst="rect">
@@ -4069,10 +4103,10 @@
       </p:sp>
       <p:sp>
         <p:nvSpPr>
-          <p:cNvPr id="11" name="TextBox 10">
-            <a:extLst>
-              <a:ext uri="{FF2B5EF4-FFF2-40B4-BE49-F238E27FC236}">
-                <a16:creationId xmlns:a16="http://schemas.microsoft.com/office/drawing/2014/main" id="{E4F89401-EAB4-C6ED-E6D2-849EE5BB194B}"/>
+          <p:cNvPr id="13" name="TextBox 12">
+            <a:extLst>
+              <a:ext uri="{FF2B5EF4-FFF2-40B4-BE49-F238E27FC236}">
+                <a16:creationId xmlns:a16="http://schemas.microsoft.com/office/drawing/2014/main" id="{54FA6573-1335-9CB6-0A55-E523B35B528A}"/>
               </a:ext>
             </a:extLst>
           </p:cNvPr>
@@ -4081,8 +4115,8 @@
         </p:nvSpPr>
         <p:spPr>
           <a:xfrm>
-            <a:off x="491987" y="3417372"/>
-            <a:ext cx="1237422" cy="369332"/>
+            <a:off x="2365698" y="2479813"/>
+            <a:ext cx="1391478" cy="369332"/>
           </a:xfrm>
           <a:prstGeom prst="rect">
             <a:avLst/>
@@ -4099,17 +4133,17 @@
           <a:p>
             <a:r>
               <a:rPr lang="en-US" dirty="0"/>
-              <a:t>Severity</a:t>
-            </a:r>
-          </a:p>
-        </p:txBody>
-      </p:sp>
-      <p:sp>
-        <p:nvSpPr>
-          <p:cNvPr id="13" name="TextBox 12">
-            <a:extLst>
-              <a:ext uri="{FF2B5EF4-FFF2-40B4-BE49-F238E27FC236}">
-                <a16:creationId xmlns:a16="http://schemas.microsoft.com/office/drawing/2014/main" id="{54FA6573-1335-9CB6-0A55-E523B35B528A}"/>
+              <a:t>Location</a:t>
+            </a:r>
+          </a:p>
+        </p:txBody>
+      </p:sp>
+      <p:sp>
+        <p:nvSpPr>
+          <p:cNvPr id="2" name="TextBox 1">
+            <a:extLst>
+              <a:ext uri="{FF2B5EF4-FFF2-40B4-BE49-F238E27FC236}">
+                <a16:creationId xmlns:a16="http://schemas.microsoft.com/office/drawing/2014/main" id="{684E1B8C-DA92-EE1E-39AA-7F26A79F63C3}"/>
               </a:ext>
             </a:extLst>
           </p:cNvPr>
@@ -4118,14 +4152,14 @@
         </p:nvSpPr>
         <p:spPr>
           <a:xfrm>
-            <a:off x="1823831" y="3417372"/>
-            <a:ext cx="1391478" cy="369332"/>
+            <a:off x="491987" y="2479813"/>
+            <a:ext cx="1759226" cy="369332"/>
           </a:xfrm>
           <a:prstGeom prst="rect">
             <a:avLst/>
           </a:prstGeom>
           <a:solidFill>
-            <a:schemeClr val="accent5"/>
+            <a:schemeClr val="accent4"/>
           </a:solidFill>
         </p:spPr>
         <p:txBody>
@@ -4136,267 +4170,155 @@
           <a:p>
             <a:r>
               <a:rPr lang="en-US" dirty="0"/>
-              <a:t>Location</a:t>
-            </a:r>
-          </a:p>
-        </p:txBody>
-      </p:sp>
-      <p:sp>
-        <p:nvSpPr>
-          <p:cNvPr id="14" name="TextBox 13">
-            <a:extLst>
-              <a:ext uri="{FF2B5EF4-FFF2-40B4-BE49-F238E27FC236}">
-                <a16:creationId xmlns:a16="http://schemas.microsoft.com/office/drawing/2014/main" id="{DA49AC28-A39F-2FFB-5B4A-9E6BC108B5AE}"/>
-              </a:ext>
-            </a:extLst>
-          </p:cNvPr>
-          <p:cNvSpPr txBox="1"/>
-          <p:nvPr/>
-        </p:nvSpPr>
-        <p:spPr>
-          <a:xfrm>
-            <a:off x="3309731" y="3408225"/>
-            <a:ext cx="1147970" cy="369332"/>
-          </a:xfrm>
-          <a:prstGeom prst="rect">
-            <a:avLst/>
-          </a:prstGeom>
-          <a:solidFill>
-            <a:schemeClr val="accent5"/>
-          </a:solidFill>
-        </p:spPr>
-        <p:txBody>
-          <a:bodyPr wrap="square" rtlCol="0">
-            <a:spAutoFit/>
-          </a:bodyPr>
-          <a:lstStyle/>
-          <a:p>
+              <a:t>Filters:</a:t>
+            </a:r>
+          </a:p>
+        </p:txBody>
+      </p:sp>
+      <p:sp>
+        <p:nvSpPr>
+          <p:cNvPr id="3" name="Rectangle 2">
+            <a:extLst>
+              <a:ext uri="{FF2B5EF4-FFF2-40B4-BE49-F238E27FC236}">
+                <a16:creationId xmlns:a16="http://schemas.microsoft.com/office/drawing/2014/main" id="{5D03E317-FF72-0505-744C-F645F6993B73}"/>
+              </a:ext>
+            </a:extLst>
+          </p:cNvPr>
+          <p:cNvSpPr/>
+          <p:nvPr/>
+        </p:nvSpPr>
+        <p:spPr>
+          <a:xfrm>
+            <a:off x="550333" y="3263900"/>
+            <a:ext cx="3206843" cy="2810933"/>
+          </a:xfrm>
+          <a:prstGeom prst="rect">
+            <a:avLst/>
+          </a:prstGeom>
+        </p:spPr>
+        <p:style>
+          <a:lnRef idx="2">
+            <a:schemeClr val="accent1">
+              <a:shade val="15000"/>
+            </a:schemeClr>
+          </a:lnRef>
+          <a:fillRef idx="1">
+            <a:schemeClr val="accent1"/>
+          </a:fillRef>
+          <a:effectRef idx="0">
+            <a:schemeClr val="accent1"/>
+          </a:effectRef>
+          <a:fontRef idx="minor">
+            <a:schemeClr val="lt1"/>
+          </a:fontRef>
+        </p:style>
+        <p:txBody>
+          <a:bodyPr rtlCol="0" anchor="ctr"/>
+          <a:lstStyle/>
+          <a:p>
+            <a:pPr algn="ctr"/>
             <a:r>
               <a:rPr lang="en-US" dirty="0"/>
-              <a:t>Date</a:t>
-            </a:r>
-          </a:p>
-        </p:txBody>
-      </p:sp>
-      <p:sp>
-        <p:nvSpPr>
-          <p:cNvPr id="15" name="TextBox 14">
-            <a:extLst>
-              <a:ext uri="{FF2B5EF4-FFF2-40B4-BE49-F238E27FC236}">
-                <a16:creationId xmlns:a16="http://schemas.microsoft.com/office/drawing/2014/main" id="{A9CB3B68-7824-4F5A-F332-EB057292E09A}"/>
-              </a:ext>
-            </a:extLst>
-          </p:cNvPr>
-          <p:cNvSpPr txBox="1"/>
-          <p:nvPr/>
-        </p:nvSpPr>
-        <p:spPr>
-          <a:xfrm>
-            <a:off x="4616725" y="3408225"/>
-            <a:ext cx="2698474" cy="369332"/>
-          </a:xfrm>
-          <a:prstGeom prst="rect">
-            <a:avLst/>
-          </a:prstGeom>
-          <a:solidFill>
-            <a:schemeClr val="accent5"/>
-          </a:solidFill>
-        </p:spPr>
-        <p:txBody>
-          <a:bodyPr wrap="square" rtlCol="0">
-            <a:spAutoFit/>
-          </a:bodyPr>
-          <a:lstStyle/>
-          <a:p>
+              <a:t>Graph</a:t>
+            </a:r>
+          </a:p>
+        </p:txBody>
+      </p:sp>
+      <p:sp>
+        <p:nvSpPr>
+          <p:cNvPr id="12" name="Rectangle 11">
+            <a:extLst>
+              <a:ext uri="{FF2B5EF4-FFF2-40B4-BE49-F238E27FC236}">
+                <a16:creationId xmlns:a16="http://schemas.microsoft.com/office/drawing/2014/main" id="{FDDC2B8E-C508-74F4-ECAE-CC55D0D1D06D}"/>
+              </a:ext>
+            </a:extLst>
+          </p:cNvPr>
+          <p:cNvSpPr/>
+          <p:nvPr/>
+        </p:nvSpPr>
+        <p:spPr>
+          <a:xfrm>
+            <a:off x="4168636" y="3263898"/>
+            <a:ext cx="3484034" cy="2810933"/>
+          </a:xfrm>
+          <a:prstGeom prst="rect">
+            <a:avLst/>
+          </a:prstGeom>
+        </p:spPr>
+        <p:style>
+          <a:lnRef idx="2">
+            <a:schemeClr val="accent1">
+              <a:shade val="15000"/>
+            </a:schemeClr>
+          </a:lnRef>
+          <a:fillRef idx="1">
+            <a:schemeClr val="accent1"/>
+          </a:fillRef>
+          <a:effectRef idx="0">
+            <a:schemeClr val="accent1"/>
+          </a:effectRef>
+          <a:fontRef idx="minor">
+            <a:schemeClr val="lt1"/>
+          </a:fontRef>
+        </p:style>
+        <p:txBody>
+          <a:bodyPr rtlCol="0" anchor="ctr"/>
+          <a:lstStyle/>
+          <a:p>
+            <a:pPr algn="ctr"/>
             <a:r>
               <a:rPr lang="en-US" dirty="0"/>
-              <a:t>Unique Report Number</a:t>
-            </a:r>
-          </a:p>
-        </p:txBody>
-      </p:sp>
-      <p:sp>
-        <p:nvSpPr>
-          <p:cNvPr id="2" name="TextBox 1">
-            <a:extLst>
-              <a:ext uri="{FF2B5EF4-FFF2-40B4-BE49-F238E27FC236}">
-                <a16:creationId xmlns:a16="http://schemas.microsoft.com/office/drawing/2014/main" id="{684E1B8C-DA92-EE1E-39AA-7F26A79F63C3}"/>
-              </a:ext>
-            </a:extLst>
-          </p:cNvPr>
-          <p:cNvSpPr txBox="1"/>
-          <p:nvPr/>
-        </p:nvSpPr>
-        <p:spPr>
-          <a:xfrm>
-            <a:off x="491987" y="2479813"/>
-            <a:ext cx="1759226" cy="369332"/>
-          </a:xfrm>
-          <a:prstGeom prst="rect">
-            <a:avLst/>
-          </a:prstGeom>
-          <a:solidFill>
-            <a:schemeClr val="accent4"/>
-          </a:solidFill>
-        </p:spPr>
-        <p:txBody>
-          <a:bodyPr wrap="square" rtlCol="0">
-            <a:spAutoFit/>
-          </a:bodyPr>
-          <a:lstStyle/>
-          <a:p>
+              <a:t>Graph</a:t>
+            </a:r>
+          </a:p>
+        </p:txBody>
+      </p:sp>
+      <p:sp>
+        <p:nvSpPr>
+          <p:cNvPr id="16" name="Rectangle 15">
+            <a:extLst>
+              <a:ext uri="{FF2B5EF4-FFF2-40B4-BE49-F238E27FC236}">
+                <a16:creationId xmlns:a16="http://schemas.microsoft.com/office/drawing/2014/main" id="{C8148B8C-67EA-E53D-796F-D034FCA4C31B}"/>
+              </a:ext>
+            </a:extLst>
+          </p:cNvPr>
+          <p:cNvSpPr/>
+          <p:nvPr/>
+        </p:nvSpPr>
+        <p:spPr>
+          <a:xfrm>
+            <a:off x="8064131" y="3263899"/>
+            <a:ext cx="3206843" cy="2810933"/>
+          </a:xfrm>
+          <a:prstGeom prst="rect">
+            <a:avLst/>
+          </a:prstGeom>
+        </p:spPr>
+        <p:style>
+          <a:lnRef idx="2">
+            <a:schemeClr val="accent1">
+              <a:shade val="15000"/>
+            </a:schemeClr>
+          </a:lnRef>
+          <a:fillRef idx="1">
+            <a:schemeClr val="accent1"/>
+          </a:fillRef>
+          <a:effectRef idx="0">
+            <a:schemeClr val="accent1"/>
+          </a:effectRef>
+          <a:fontRef idx="minor">
+            <a:schemeClr val="lt1"/>
+          </a:fontRef>
+        </p:style>
+        <p:txBody>
+          <a:bodyPr rtlCol="0" anchor="ctr"/>
+          <a:lstStyle/>
+          <a:p>
+            <a:pPr algn="ctr"/>
             <a:r>
               <a:rPr lang="en-US" dirty="0"/>
-              <a:t>Filters:</a:t>
-            </a:r>
-          </a:p>
-        </p:txBody>
-      </p:sp>
-      <p:sp>
-        <p:nvSpPr>
-          <p:cNvPr id="9" name="TextBox 8">
-            <a:extLst>
-              <a:ext uri="{FF2B5EF4-FFF2-40B4-BE49-F238E27FC236}">
-                <a16:creationId xmlns:a16="http://schemas.microsoft.com/office/drawing/2014/main" id="{5B9B5221-4B16-FB71-5C31-EA85D5FA717D}"/>
-              </a:ext>
-            </a:extLst>
-          </p:cNvPr>
-          <p:cNvSpPr txBox="1"/>
-          <p:nvPr/>
-        </p:nvSpPr>
-        <p:spPr>
-          <a:xfrm>
-            <a:off x="491987" y="3962223"/>
-            <a:ext cx="1237422" cy="369332"/>
-          </a:xfrm>
-          <a:prstGeom prst="rect">
-            <a:avLst/>
-          </a:prstGeom>
-          <a:noFill/>
-          <a:ln>
-            <a:solidFill>
-              <a:schemeClr val="tx1"/>
-            </a:solidFill>
-          </a:ln>
-        </p:spPr>
-        <p:txBody>
-          <a:bodyPr wrap="square" rtlCol="0">
-            <a:spAutoFit/>
-          </a:bodyPr>
-          <a:lstStyle/>
-          <a:p>
-            <a:endParaRPr lang="en-US" dirty="0"/>
-          </a:p>
-        </p:txBody>
-      </p:sp>
-      <p:sp>
-        <p:nvSpPr>
-          <p:cNvPr id="18" name="TextBox 17">
-            <a:extLst>
-              <a:ext uri="{FF2B5EF4-FFF2-40B4-BE49-F238E27FC236}">
-                <a16:creationId xmlns:a16="http://schemas.microsoft.com/office/drawing/2014/main" id="{91475D1E-B544-729E-1974-8E6A8E2FD83A}"/>
-              </a:ext>
-            </a:extLst>
-          </p:cNvPr>
-          <p:cNvSpPr txBox="1"/>
-          <p:nvPr/>
-        </p:nvSpPr>
-        <p:spPr>
-          <a:xfrm>
-            <a:off x="1823831" y="3962223"/>
-            <a:ext cx="1381538" cy="369332"/>
-          </a:xfrm>
-          <a:prstGeom prst="rect">
-            <a:avLst/>
-          </a:prstGeom>
-          <a:noFill/>
-          <a:ln>
-            <a:solidFill>
-              <a:schemeClr val="tx1"/>
-            </a:solidFill>
-          </a:ln>
-        </p:spPr>
-        <p:txBody>
-          <a:bodyPr wrap="square" rtlCol="0">
-            <a:spAutoFit/>
-          </a:bodyPr>
-          <a:lstStyle/>
-          <a:p>
-            <a:endParaRPr lang="en-US" dirty="0"/>
-          </a:p>
-        </p:txBody>
-      </p:sp>
-      <p:sp>
-        <p:nvSpPr>
-          <p:cNvPr id="19" name="TextBox 18">
-            <a:extLst>
-              <a:ext uri="{FF2B5EF4-FFF2-40B4-BE49-F238E27FC236}">
-                <a16:creationId xmlns:a16="http://schemas.microsoft.com/office/drawing/2014/main" id="{1BE72CA8-EB28-2D3F-F7AE-BD79F357021D}"/>
-              </a:ext>
-            </a:extLst>
-          </p:cNvPr>
-          <p:cNvSpPr txBox="1"/>
-          <p:nvPr/>
-        </p:nvSpPr>
-        <p:spPr>
-          <a:xfrm>
-            <a:off x="3309731" y="3962223"/>
-            <a:ext cx="1147970" cy="369332"/>
-          </a:xfrm>
-          <a:prstGeom prst="rect">
-            <a:avLst/>
-          </a:prstGeom>
-          <a:noFill/>
-          <a:ln>
-            <a:solidFill>
-              <a:schemeClr val="tx1"/>
-            </a:solidFill>
-          </a:ln>
-        </p:spPr>
-        <p:txBody>
-          <a:bodyPr wrap="square" rtlCol="0">
-            <a:spAutoFit/>
-          </a:bodyPr>
-          <a:lstStyle/>
-          <a:p>
-            <a:endParaRPr lang="en-US" dirty="0"/>
-          </a:p>
-        </p:txBody>
-      </p:sp>
-      <p:sp>
-        <p:nvSpPr>
-          <p:cNvPr id="21" name="TextBox 20">
-            <a:extLst>
-              <a:ext uri="{FF2B5EF4-FFF2-40B4-BE49-F238E27FC236}">
-                <a16:creationId xmlns:a16="http://schemas.microsoft.com/office/drawing/2014/main" id="{D0F4DD82-467A-DAAD-CA3F-FCAA11D38FA0}"/>
-              </a:ext>
-            </a:extLst>
-          </p:cNvPr>
-          <p:cNvSpPr txBox="1"/>
-          <p:nvPr/>
-        </p:nvSpPr>
-        <p:spPr>
-          <a:xfrm>
-            <a:off x="4616725" y="3962223"/>
-            <a:ext cx="2698474" cy="369332"/>
-          </a:xfrm>
-          <a:prstGeom prst="rect">
-            <a:avLst/>
-          </a:prstGeom>
-          <a:noFill/>
-          <a:ln>
-            <a:solidFill>
-              <a:schemeClr val="tx1"/>
-            </a:solidFill>
-          </a:ln>
-        </p:spPr>
-        <p:txBody>
-          <a:bodyPr wrap="square" rtlCol="0">
-            <a:spAutoFit/>
-          </a:bodyPr>
-          <a:lstStyle/>
-          <a:p>
-            <a:endParaRPr lang="en-US" dirty="0"/>
+              <a:t>Graph</a:t>
+            </a:r>
           </a:p>
         </p:txBody>
       </p:sp>
@@ -4994,6 +4916,598 @@
           </a:p>
         </p:txBody>
       </p:sp>
+      <p:sp>
+        <p:nvSpPr>
+          <p:cNvPr id="3" name="TextBox 2">
+            <a:extLst>
+              <a:ext uri="{FF2B5EF4-FFF2-40B4-BE49-F238E27FC236}">
+                <a16:creationId xmlns:a16="http://schemas.microsoft.com/office/drawing/2014/main" id="{E0D07886-4217-B71C-EF59-906CB2436469}"/>
+              </a:ext>
+            </a:extLst>
+          </p:cNvPr>
+          <p:cNvSpPr txBox="1"/>
+          <p:nvPr/>
+        </p:nvSpPr>
+        <p:spPr>
+          <a:xfrm>
+            <a:off x="491987" y="4451906"/>
+            <a:ext cx="1237422" cy="369332"/>
+          </a:xfrm>
+          <a:prstGeom prst="rect">
+            <a:avLst/>
+          </a:prstGeom>
+          <a:noFill/>
+          <a:ln>
+            <a:solidFill>
+              <a:schemeClr val="tx1"/>
+            </a:solidFill>
+          </a:ln>
+        </p:spPr>
+        <p:txBody>
+          <a:bodyPr wrap="square" rtlCol="0">
+            <a:spAutoFit/>
+          </a:bodyPr>
+          <a:lstStyle/>
+          <a:p>
+            <a:endParaRPr lang="en-US" dirty="0"/>
+          </a:p>
+        </p:txBody>
+      </p:sp>
+      <p:sp>
+        <p:nvSpPr>
+          <p:cNvPr id="12" name="TextBox 11">
+            <a:extLst>
+              <a:ext uri="{FF2B5EF4-FFF2-40B4-BE49-F238E27FC236}">
+                <a16:creationId xmlns:a16="http://schemas.microsoft.com/office/drawing/2014/main" id="{2FC35F0A-E279-A9ED-BA45-8EBA48B3DE85}"/>
+              </a:ext>
+            </a:extLst>
+          </p:cNvPr>
+          <p:cNvSpPr txBox="1"/>
+          <p:nvPr/>
+        </p:nvSpPr>
+        <p:spPr>
+          <a:xfrm>
+            <a:off x="1823831" y="4451906"/>
+            <a:ext cx="1381538" cy="369332"/>
+          </a:xfrm>
+          <a:prstGeom prst="rect">
+            <a:avLst/>
+          </a:prstGeom>
+          <a:noFill/>
+          <a:ln>
+            <a:solidFill>
+              <a:schemeClr val="tx1"/>
+            </a:solidFill>
+          </a:ln>
+        </p:spPr>
+        <p:txBody>
+          <a:bodyPr wrap="square" rtlCol="0">
+            <a:spAutoFit/>
+          </a:bodyPr>
+          <a:lstStyle/>
+          <a:p>
+            <a:endParaRPr lang="en-US" dirty="0"/>
+          </a:p>
+        </p:txBody>
+      </p:sp>
+      <p:sp>
+        <p:nvSpPr>
+          <p:cNvPr id="16" name="TextBox 15">
+            <a:extLst>
+              <a:ext uri="{FF2B5EF4-FFF2-40B4-BE49-F238E27FC236}">
+                <a16:creationId xmlns:a16="http://schemas.microsoft.com/office/drawing/2014/main" id="{AA4E3285-375D-AD59-BC0E-621787173283}"/>
+              </a:ext>
+            </a:extLst>
+          </p:cNvPr>
+          <p:cNvSpPr txBox="1"/>
+          <p:nvPr/>
+        </p:nvSpPr>
+        <p:spPr>
+          <a:xfrm>
+            <a:off x="3309731" y="4451906"/>
+            <a:ext cx="1147970" cy="369332"/>
+          </a:xfrm>
+          <a:prstGeom prst="rect">
+            <a:avLst/>
+          </a:prstGeom>
+          <a:noFill/>
+          <a:ln>
+            <a:solidFill>
+              <a:schemeClr val="tx1"/>
+            </a:solidFill>
+          </a:ln>
+        </p:spPr>
+        <p:txBody>
+          <a:bodyPr wrap="square" rtlCol="0">
+            <a:spAutoFit/>
+          </a:bodyPr>
+          <a:lstStyle/>
+          <a:p>
+            <a:endParaRPr lang="en-US" dirty="0"/>
+          </a:p>
+        </p:txBody>
+      </p:sp>
+      <p:sp>
+        <p:nvSpPr>
+          <p:cNvPr id="17" name="TextBox 16">
+            <a:extLst>
+              <a:ext uri="{FF2B5EF4-FFF2-40B4-BE49-F238E27FC236}">
+                <a16:creationId xmlns:a16="http://schemas.microsoft.com/office/drawing/2014/main" id="{0522D9BD-6840-347E-19AE-E05CDA8E4B35}"/>
+              </a:ext>
+            </a:extLst>
+          </p:cNvPr>
+          <p:cNvSpPr txBox="1"/>
+          <p:nvPr/>
+        </p:nvSpPr>
+        <p:spPr>
+          <a:xfrm>
+            <a:off x="4616725" y="4451906"/>
+            <a:ext cx="2698474" cy="369332"/>
+          </a:xfrm>
+          <a:prstGeom prst="rect">
+            <a:avLst/>
+          </a:prstGeom>
+          <a:noFill/>
+          <a:ln>
+            <a:solidFill>
+              <a:schemeClr val="tx1"/>
+            </a:solidFill>
+          </a:ln>
+        </p:spPr>
+        <p:txBody>
+          <a:bodyPr wrap="square" rtlCol="0">
+            <a:spAutoFit/>
+          </a:bodyPr>
+          <a:lstStyle/>
+          <a:p>
+            <a:endParaRPr lang="en-US" dirty="0"/>
+          </a:p>
+        </p:txBody>
+      </p:sp>
+      <p:sp>
+        <p:nvSpPr>
+          <p:cNvPr id="20" name="TextBox 19">
+            <a:extLst>
+              <a:ext uri="{FF2B5EF4-FFF2-40B4-BE49-F238E27FC236}">
+                <a16:creationId xmlns:a16="http://schemas.microsoft.com/office/drawing/2014/main" id="{9E531F9F-A9B8-8821-077E-22D182883AB4}"/>
+              </a:ext>
+            </a:extLst>
+          </p:cNvPr>
+          <p:cNvSpPr txBox="1"/>
+          <p:nvPr/>
+        </p:nvSpPr>
+        <p:spPr>
+          <a:xfrm>
+            <a:off x="491987" y="4940420"/>
+            <a:ext cx="1237422" cy="369332"/>
+          </a:xfrm>
+          <a:prstGeom prst="rect">
+            <a:avLst/>
+          </a:prstGeom>
+          <a:noFill/>
+          <a:ln>
+            <a:solidFill>
+              <a:schemeClr val="tx1"/>
+            </a:solidFill>
+          </a:ln>
+        </p:spPr>
+        <p:txBody>
+          <a:bodyPr wrap="square" rtlCol="0">
+            <a:spAutoFit/>
+          </a:bodyPr>
+          <a:lstStyle/>
+          <a:p>
+            <a:endParaRPr lang="en-US" dirty="0"/>
+          </a:p>
+        </p:txBody>
+      </p:sp>
+      <p:sp>
+        <p:nvSpPr>
+          <p:cNvPr id="22" name="TextBox 21">
+            <a:extLst>
+              <a:ext uri="{FF2B5EF4-FFF2-40B4-BE49-F238E27FC236}">
+                <a16:creationId xmlns:a16="http://schemas.microsoft.com/office/drawing/2014/main" id="{8A77B0A9-A4F9-CCA4-D860-A648617B9AA5}"/>
+              </a:ext>
+            </a:extLst>
+          </p:cNvPr>
+          <p:cNvSpPr txBox="1"/>
+          <p:nvPr/>
+        </p:nvSpPr>
+        <p:spPr>
+          <a:xfrm>
+            <a:off x="1823831" y="4940420"/>
+            <a:ext cx="1381538" cy="369332"/>
+          </a:xfrm>
+          <a:prstGeom prst="rect">
+            <a:avLst/>
+          </a:prstGeom>
+          <a:noFill/>
+          <a:ln>
+            <a:solidFill>
+              <a:schemeClr val="tx1"/>
+            </a:solidFill>
+          </a:ln>
+        </p:spPr>
+        <p:txBody>
+          <a:bodyPr wrap="square" rtlCol="0">
+            <a:spAutoFit/>
+          </a:bodyPr>
+          <a:lstStyle/>
+          <a:p>
+            <a:endParaRPr lang="en-US" dirty="0"/>
+          </a:p>
+        </p:txBody>
+      </p:sp>
+      <p:sp>
+        <p:nvSpPr>
+          <p:cNvPr id="23" name="TextBox 22">
+            <a:extLst>
+              <a:ext uri="{FF2B5EF4-FFF2-40B4-BE49-F238E27FC236}">
+                <a16:creationId xmlns:a16="http://schemas.microsoft.com/office/drawing/2014/main" id="{016E2D47-9118-2ABC-50CD-18E918B83F63}"/>
+              </a:ext>
+            </a:extLst>
+          </p:cNvPr>
+          <p:cNvSpPr txBox="1"/>
+          <p:nvPr/>
+        </p:nvSpPr>
+        <p:spPr>
+          <a:xfrm>
+            <a:off x="3309731" y="4940420"/>
+            <a:ext cx="1147970" cy="369332"/>
+          </a:xfrm>
+          <a:prstGeom prst="rect">
+            <a:avLst/>
+          </a:prstGeom>
+          <a:noFill/>
+          <a:ln>
+            <a:solidFill>
+              <a:schemeClr val="tx1"/>
+            </a:solidFill>
+          </a:ln>
+        </p:spPr>
+        <p:txBody>
+          <a:bodyPr wrap="square" rtlCol="0">
+            <a:spAutoFit/>
+          </a:bodyPr>
+          <a:lstStyle/>
+          <a:p>
+            <a:endParaRPr lang="en-US" dirty="0"/>
+          </a:p>
+        </p:txBody>
+      </p:sp>
+      <p:sp>
+        <p:nvSpPr>
+          <p:cNvPr id="24" name="TextBox 23">
+            <a:extLst>
+              <a:ext uri="{FF2B5EF4-FFF2-40B4-BE49-F238E27FC236}">
+                <a16:creationId xmlns:a16="http://schemas.microsoft.com/office/drawing/2014/main" id="{4B84A5B7-E912-72DD-565C-31B87B6A8FC8}"/>
+              </a:ext>
+            </a:extLst>
+          </p:cNvPr>
+          <p:cNvSpPr txBox="1"/>
+          <p:nvPr/>
+        </p:nvSpPr>
+        <p:spPr>
+          <a:xfrm>
+            <a:off x="4616725" y="4940420"/>
+            <a:ext cx="2698474" cy="369332"/>
+          </a:xfrm>
+          <a:prstGeom prst="rect">
+            <a:avLst/>
+          </a:prstGeom>
+          <a:noFill/>
+          <a:ln>
+            <a:solidFill>
+              <a:schemeClr val="tx1"/>
+            </a:solidFill>
+          </a:ln>
+        </p:spPr>
+        <p:txBody>
+          <a:bodyPr wrap="square" rtlCol="0">
+            <a:spAutoFit/>
+          </a:bodyPr>
+          <a:lstStyle/>
+          <a:p>
+            <a:endParaRPr lang="en-US" dirty="0"/>
+          </a:p>
+        </p:txBody>
+      </p:sp>
+      <p:sp>
+        <p:nvSpPr>
+          <p:cNvPr id="25" name="TextBox 24">
+            <a:extLst>
+              <a:ext uri="{FF2B5EF4-FFF2-40B4-BE49-F238E27FC236}">
+                <a16:creationId xmlns:a16="http://schemas.microsoft.com/office/drawing/2014/main" id="{D2BC0181-5B84-0589-B1AA-40C93E98D2C0}"/>
+              </a:ext>
+            </a:extLst>
+          </p:cNvPr>
+          <p:cNvSpPr txBox="1"/>
+          <p:nvPr/>
+        </p:nvSpPr>
+        <p:spPr>
+          <a:xfrm>
+            <a:off x="491987" y="5428934"/>
+            <a:ext cx="1237422" cy="369332"/>
+          </a:xfrm>
+          <a:prstGeom prst="rect">
+            <a:avLst/>
+          </a:prstGeom>
+          <a:noFill/>
+          <a:ln>
+            <a:solidFill>
+              <a:schemeClr val="tx1"/>
+            </a:solidFill>
+          </a:ln>
+        </p:spPr>
+        <p:txBody>
+          <a:bodyPr wrap="square" rtlCol="0">
+            <a:spAutoFit/>
+          </a:bodyPr>
+          <a:lstStyle/>
+          <a:p>
+            <a:endParaRPr lang="en-US" dirty="0"/>
+          </a:p>
+        </p:txBody>
+      </p:sp>
+      <p:sp>
+        <p:nvSpPr>
+          <p:cNvPr id="26" name="TextBox 25">
+            <a:extLst>
+              <a:ext uri="{FF2B5EF4-FFF2-40B4-BE49-F238E27FC236}">
+                <a16:creationId xmlns:a16="http://schemas.microsoft.com/office/drawing/2014/main" id="{0D7C4939-01C0-4034-046A-0E1E4341E66E}"/>
+              </a:ext>
+            </a:extLst>
+          </p:cNvPr>
+          <p:cNvSpPr txBox="1"/>
+          <p:nvPr/>
+        </p:nvSpPr>
+        <p:spPr>
+          <a:xfrm>
+            <a:off x="1823831" y="5428934"/>
+            <a:ext cx="1381538" cy="369332"/>
+          </a:xfrm>
+          <a:prstGeom prst="rect">
+            <a:avLst/>
+          </a:prstGeom>
+          <a:noFill/>
+          <a:ln>
+            <a:solidFill>
+              <a:schemeClr val="tx1"/>
+            </a:solidFill>
+          </a:ln>
+        </p:spPr>
+        <p:txBody>
+          <a:bodyPr wrap="square" rtlCol="0">
+            <a:spAutoFit/>
+          </a:bodyPr>
+          <a:lstStyle/>
+          <a:p>
+            <a:endParaRPr lang="en-US" dirty="0"/>
+          </a:p>
+        </p:txBody>
+      </p:sp>
+      <p:sp>
+        <p:nvSpPr>
+          <p:cNvPr id="27" name="TextBox 26">
+            <a:extLst>
+              <a:ext uri="{FF2B5EF4-FFF2-40B4-BE49-F238E27FC236}">
+                <a16:creationId xmlns:a16="http://schemas.microsoft.com/office/drawing/2014/main" id="{33AE5B78-884C-C033-728B-715F71BA24DB}"/>
+              </a:ext>
+            </a:extLst>
+          </p:cNvPr>
+          <p:cNvSpPr txBox="1"/>
+          <p:nvPr/>
+        </p:nvSpPr>
+        <p:spPr>
+          <a:xfrm>
+            <a:off x="3309731" y="5428934"/>
+            <a:ext cx="1147970" cy="369332"/>
+          </a:xfrm>
+          <a:prstGeom prst="rect">
+            <a:avLst/>
+          </a:prstGeom>
+          <a:noFill/>
+          <a:ln>
+            <a:solidFill>
+              <a:schemeClr val="tx1"/>
+            </a:solidFill>
+          </a:ln>
+        </p:spPr>
+        <p:txBody>
+          <a:bodyPr wrap="square" rtlCol="0">
+            <a:spAutoFit/>
+          </a:bodyPr>
+          <a:lstStyle/>
+          <a:p>
+            <a:endParaRPr lang="en-US" dirty="0"/>
+          </a:p>
+        </p:txBody>
+      </p:sp>
+      <p:sp>
+        <p:nvSpPr>
+          <p:cNvPr id="28" name="TextBox 27">
+            <a:extLst>
+              <a:ext uri="{FF2B5EF4-FFF2-40B4-BE49-F238E27FC236}">
+                <a16:creationId xmlns:a16="http://schemas.microsoft.com/office/drawing/2014/main" id="{7FC3CD14-5383-648A-A6E3-87AAB045B0E5}"/>
+              </a:ext>
+            </a:extLst>
+          </p:cNvPr>
+          <p:cNvSpPr txBox="1"/>
+          <p:nvPr/>
+        </p:nvSpPr>
+        <p:spPr>
+          <a:xfrm>
+            <a:off x="4616725" y="5428934"/>
+            <a:ext cx="2698474" cy="369332"/>
+          </a:xfrm>
+          <a:prstGeom prst="rect">
+            <a:avLst/>
+          </a:prstGeom>
+          <a:noFill/>
+          <a:ln>
+            <a:solidFill>
+              <a:schemeClr val="tx1"/>
+            </a:solidFill>
+          </a:ln>
+        </p:spPr>
+        <p:txBody>
+          <a:bodyPr wrap="square" rtlCol="0">
+            <a:spAutoFit/>
+          </a:bodyPr>
+          <a:lstStyle/>
+          <a:p>
+            <a:endParaRPr lang="en-US" dirty="0"/>
+          </a:p>
+        </p:txBody>
+      </p:sp>
+      <p:sp>
+        <p:nvSpPr>
+          <p:cNvPr id="29" name="TextBox 28">
+            <a:extLst>
+              <a:ext uri="{FF2B5EF4-FFF2-40B4-BE49-F238E27FC236}">
+                <a16:creationId xmlns:a16="http://schemas.microsoft.com/office/drawing/2014/main" id="{A1A7963C-A2DD-2559-8722-DB8E08A6B4E1}"/>
+              </a:ext>
+            </a:extLst>
+          </p:cNvPr>
+          <p:cNvSpPr txBox="1"/>
+          <p:nvPr/>
+        </p:nvSpPr>
+        <p:spPr>
+          <a:xfrm>
+            <a:off x="491987" y="5933021"/>
+            <a:ext cx="1237422" cy="369332"/>
+          </a:xfrm>
+          <a:prstGeom prst="rect">
+            <a:avLst/>
+          </a:prstGeom>
+          <a:noFill/>
+          <a:ln>
+            <a:solidFill>
+              <a:schemeClr val="tx1"/>
+            </a:solidFill>
+          </a:ln>
+        </p:spPr>
+        <p:txBody>
+          <a:bodyPr wrap="square" rtlCol="0">
+            <a:spAutoFit/>
+          </a:bodyPr>
+          <a:lstStyle/>
+          <a:p>
+            <a:endParaRPr lang="en-US" dirty="0"/>
+          </a:p>
+        </p:txBody>
+      </p:sp>
+      <p:sp>
+        <p:nvSpPr>
+          <p:cNvPr id="30" name="TextBox 29">
+            <a:extLst>
+              <a:ext uri="{FF2B5EF4-FFF2-40B4-BE49-F238E27FC236}">
+                <a16:creationId xmlns:a16="http://schemas.microsoft.com/office/drawing/2014/main" id="{9EBA4645-9756-D64C-1424-E50F67DB0274}"/>
+              </a:ext>
+            </a:extLst>
+          </p:cNvPr>
+          <p:cNvSpPr txBox="1"/>
+          <p:nvPr/>
+        </p:nvSpPr>
+        <p:spPr>
+          <a:xfrm>
+            <a:off x="1823831" y="5933021"/>
+            <a:ext cx="1381538" cy="369332"/>
+          </a:xfrm>
+          <a:prstGeom prst="rect">
+            <a:avLst/>
+          </a:prstGeom>
+          <a:noFill/>
+          <a:ln>
+            <a:solidFill>
+              <a:schemeClr val="tx1"/>
+            </a:solidFill>
+          </a:ln>
+        </p:spPr>
+        <p:txBody>
+          <a:bodyPr wrap="square" rtlCol="0">
+            <a:spAutoFit/>
+          </a:bodyPr>
+          <a:lstStyle/>
+          <a:p>
+            <a:endParaRPr lang="en-US" dirty="0"/>
+          </a:p>
+        </p:txBody>
+      </p:sp>
+      <p:sp>
+        <p:nvSpPr>
+          <p:cNvPr id="31" name="TextBox 30">
+            <a:extLst>
+              <a:ext uri="{FF2B5EF4-FFF2-40B4-BE49-F238E27FC236}">
+                <a16:creationId xmlns:a16="http://schemas.microsoft.com/office/drawing/2014/main" id="{05F063C8-C2A0-5BCC-F7EB-6FF5535896C2}"/>
+              </a:ext>
+            </a:extLst>
+          </p:cNvPr>
+          <p:cNvSpPr txBox="1"/>
+          <p:nvPr/>
+        </p:nvSpPr>
+        <p:spPr>
+          <a:xfrm>
+            <a:off x="3309731" y="5933021"/>
+            <a:ext cx="1147970" cy="369332"/>
+          </a:xfrm>
+          <a:prstGeom prst="rect">
+            <a:avLst/>
+          </a:prstGeom>
+          <a:noFill/>
+          <a:ln>
+            <a:solidFill>
+              <a:schemeClr val="tx1"/>
+            </a:solidFill>
+          </a:ln>
+        </p:spPr>
+        <p:txBody>
+          <a:bodyPr wrap="square" rtlCol="0">
+            <a:spAutoFit/>
+          </a:bodyPr>
+          <a:lstStyle/>
+          <a:p>
+            <a:endParaRPr lang="en-US" dirty="0"/>
+          </a:p>
+        </p:txBody>
+      </p:sp>
+      <p:sp>
+        <p:nvSpPr>
+          <p:cNvPr id="32" name="TextBox 31">
+            <a:extLst>
+              <a:ext uri="{FF2B5EF4-FFF2-40B4-BE49-F238E27FC236}">
+                <a16:creationId xmlns:a16="http://schemas.microsoft.com/office/drawing/2014/main" id="{73D756FD-3D2B-B4D1-536F-AD082C18725F}"/>
+              </a:ext>
+            </a:extLst>
+          </p:cNvPr>
+          <p:cNvSpPr txBox="1"/>
+          <p:nvPr/>
+        </p:nvSpPr>
+        <p:spPr>
+          <a:xfrm>
+            <a:off x="4616725" y="5933021"/>
+            <a:ext cx="2698474" cy="369332"/>
+          </a:xfrm>
+          <a:prstGeom prst="rect">
+            <a:avLst/>
+          </a:prstGeom>
+          <a:noFill/>
+          <a:ln>
+            <a:solidFill>
+              <a:schemeClr val="tx1"/>
+            </a:solidFill>
+          </a:ln>
+        </p:spPr>
+        <p:txBody>
+          <a:bodyPr wrap="square" rtlCol="0">
+            <a:spAutoFit/>
+          </a:bodyPr>
+          <a:lstStyle/>
+          <a:p>
+            <a:endParaRPr lang="en-US" dirty="0"/>
+          </a:p>
+        </p:txBody>
+      </p:sp>
     </p:spTree>
     <p:extLst>
       <p:ext uri="{BB962C8B-B14F-4D97-AF65-F5344CB8AC3E}">
@@ -5411,7 +5925,7 @@
         </p:nvSpPr>
         <p:spPr>
           <a:xfrm>
-            <a:off x="3528391" y="3135796"/>
+            <a:off x="4953000" y="3147427"/>
             <a:ext cx="1143000" cy="369332"/>
           </a:xfrm>
           <a:prstGeom prst="rect">
@@ -5554,6 +6068,46 @@
           <a:lstStyle/>
           <a:p>
             <a:endParaRPr lang="en-US" dirty="0"/>
+          </a:p>
+        </p:txBody>
+      </p:sp>
+      <p:sp>
+        <p:nvSpPr>
+          <p:cNvPr id="11" name="TextBox 10">
+            <a:extLst>
+              <a:ext uri="{FF2B5EF4-FFF2-40B4-BE49-F238E27FC236}">
+                <a16:creationId xmlns:a16="http://schemas.microsoft.com/office/drawing/2014/main" id="{09FE2BFC-471E-9FF5-6BED-CFCE2E8A55DD}"/>
+              </a:ext>
+            </a:extLst>
+          </p:cNvPr>
+          <p:cNvSpPr txBox="1"/>
+          <p:nvPr/>
+        </p:nvSpPr>
+        <p:spPr>
+          <a:xfrm>
+            <a:off x="3558208" y="3147427"/>
+            <a:ext cx="1261533" cy="369332"/>
+          </a:xfrm>
+          <a:prstGeom prst="rect">
+            <a:avLst/>
+          </a:prstGeom>
+          <a:noFill/>
+          <a:ln>
+            <a:solidFill>
+              <a:schemeClr val="tx1"/>
+            </a:solidFill>
+          </a:ln>
+        </p:spPr>
+        <p:txBody>
+          <a:bodyPr wrap="square" rtlCol="0">
+            <a:spAutoFit/>
+          </a:bodyPr>
+          <a:lstStyle/>
+          <a:p>
+            <a:r>
+              <a:rPr lang="en-US" dirty="0"/>
+              <a:t>Crime Type</a:t>
+            </a:r>
           </a:p>
         </p:txBody>
       </p:sp>
